--- a/AzureIntroduction/AzureIntro.pptx
+++ b/AzureIntroduction/AzureIntro.pptx
@@ -321,7 +321,7 @@
           <a:p>
             <a:fld id="{9C401799-8362-4C30-A931-A1D4DA13762F}" type="datetimeFigureOut">
               <a:rPr lang="pl-PL" smtClean="0"/>
-              <a:t>08.05.2019</a:t>
+              <a:t>28.05.2019</a:t>
             </a:fld>
             <a:endParaRPr lang="pl-PL"/>
           </a:p>
@@ -2516,7 +2516,7 @@
           <a:p>
             <a:fld id="{4079FD93-08D1-3D47-8B88-9F159745C9D8}" type="datetimeFigureOut">
               <a:rPr lang="en-US" smtClean="0"/>
-              <a:t>5/8/2019</a:t>
+              <a:t>5/28/2019</a:t>
             </a:fld>
             <a:endParaRPr lang="en-US"/>
           </a:p>
@@ -3679,7 +3679,7 @@
           <a:p>
             <a:fld id="{4079FD93-08D1-3D47-8B88-9F159745C9D8}" type="datetimeFigureOut">
               <a:rPr lang="en-US" smtClean="0"/>
-              <a:t>5/8/2019</a:t>
+              <a:t>5/28/2019</a:t>
             </a:fld>
             <a:endParaRPr lang="en-US"/>
           </a:p>
@@ -4231,13 +4231,13 @@
   <p:clrMapOvr>
     <a:masterClrMapping/>
   </p:clrMapOvr>
-  <mc:AlternateContent xmlns:mc="http://schemas.openxmlformats.org/markup-compatibility/2006">
-    <mc:Choice xmlns:p14="http://schemas.microsoft.com/office/powerpoint/2010/main" Requires="p14">
+  <mc:AlternateContent xmlns:mc="http://schemas.openxmlformats.org/markup-compatibility/2006" xmlns:p14="http://schemas.microsoft.com/office/powerpoint/2010/main">
+    <mc:Choice Requires="p14">
       <p:transition spd="med" p14:dur="700">
         <p:fade/>
       </p:transition>
     </mc:Choice>
-    <mc:Fallback>
+    <mc:Fallback xmlns="">
       <p:transition spd="med">
         <p:fade/>
       </p:transition>
@@ -4662,13 +4662,13 @@
   <p:clrMapOvr>
     <a:masterClrMapping/>
   </p:clrMapOvr>
-  <mc:AlternateContent xmlns:mc="http://schemas.openxmlformats.org/markup-compatibility/2006">
-    <mc:Choice xmlns:p14="http://schemas.microsoft.com/office/powerpoint/2010/main" Requires="p14">
+  <mc:AlternateContent xmlns:mc="http://schemas.openxmlformats.org/markup-compatibility/2006" xmlns:p14="http://schemas.microsoft.com/office/powerpoint/2010/main">
+    <mc:Choice Requires="p14">
       <p:transition spd="med" p14:dur="700">
         <p:fade/>
       </p:transition>
     </mc:Choice>
-    <mc:Fallback>
+    <mc:Fallback xmlns="">
       <p:transition spd="med">
         <p:fade/>
       </p:transition>
@@ -5225,13 +5225,13 @@
   <p:clrMapOvr>
     <a:masterClrMapping/>
   </p:clrMapOvr>
-  <mc:AlternateContent xmlns:mc="http://schemas.openxmlformats.org/markup-compatibility/2006">
-    <mc:Choice xmlns:p14="http://schemas.microsoft.com/office/powerpoint/2010/main" Requires="p14">
+  <mc:AlternateContent xmlns:mc="http://schemas.openxmlformats.org/markup-compatibility/2006" xmlns:p14="http://schemas.microsoft.com/office/powerpoint/2010/main">
+    <mc:Choice Requires="p14">
       <p:transition spd="med" p14:dur="700">
         <p:fade/>
       </p:transition>
     </mc:Choice>
-    <mc:Fallback>
+    <mc:Fallback xmlns="">
       <p:transition spd="med">
         <p:fade/>
       </p:transition>
@@ -5676,13 +5676,13 @@
   <p:clrMapOvr>
     <a:masterClrMapping/>
   </p:clrMapOvr>
-  <mc:AlternateContent xmlns:mc="http://schemas.openxmlformats.org/markup-compatibility/2006">
-    <mc:Choice xmlns:p14="http://schemas.microsoft.com/office/powerpoint/2010/main" Requires="p14">
+  <mc:AlternateContent xmlns:mc="http://schemas.openxmlformats.org/markup-compatibility/2006" xmlns:p14="http://schemas.microsoft.com/office/powerpoint/2010/main">
+    <mc:Choice Requires="p14">
       <p:transition spd="med" p14:dur="700">
         <p:fade/>
       </p:transition>
     </mc:Choice>
-    <mc:Fallback>
+    <mc:Fallback xmlns="">
       <p:transition spd="med">
         <p:fade/>
       </p:transition>
@@ -6014,13 +6014,13 @@
   <p:clrMapOvr>
     <a:masterClrMapping/>
   </p:clrMapOvr>
-  <mc:AlternateContent xmlns:mc="http://schemas.openxmlformats.org/markup-compatibility/2006">
-    <mc:Choice xmlns:p14="http://schemas.microsoft.com/office/powerpoint/2010/main" Requires="p14">
+  <mc:AlternateContent xmlns:mc="http://schemas.openxmlformats.org/markup-compatibility/2006" xmlns:p14="http://schemas.microsoft.com/office/powerpoint/2010/main">
+    <mc:Choice Requires="p14">
       <p:transition spd="med" p14:dur="700">
         <p:fade/>
       </p:transition>
     </mc:Choice>
-    <mc:Fallback>
+    <mc:Fallback xmlns="">
       <p:transition spd="med">
         <p:fade/>
       </p:transition>
@@ -6278,13 +6278,13 @@
   <p:clrMapOvr>
     <a:masterClrMapping/>
   </p:clrMapOvr>
-  <mc:AlternateContent xmlns:mc="http://schemas.openxmlformats.org/markup-compatibility/2006">
-    <mc:Choice xmlns:p14="http://schemas.microsoft.com/office/powerpoint/2010/main" Requires="p14">
+  <mc:AlternateContent xmlns:mc="http://schemas.openxmlformats.org/markup-compatibility/2006" xmlns:p14="http://schemas.microsoft.com/office/powerpoint/2010/main">
+    <mc:Choice Requires="p14">
       <p:transition spd="med" p14:dur="700">
         <p:fade/>
       </p:transition>
     </mc:Choice>
-    <mc:Fallback>
+    <mc:Fallback xmlns="">
       <p:transition spd="med">
         <p:fade/>
       </p:transition>
@@ -6963,13 +6963,13 @@
   <p:clrMapOvr>
     <a:masterClrMapping/>
   </p:clrMapOvr>
-  <mc:AlternateContent xmlns:mc="http://schemas.openxmlformats.org/markup-compatibility/2006">
-    <mc:Choice xmlns:p14="http://schemas.microsoft.com/office/powerpoint/2010/main" Requires="p14">
+  <mc:AlternateContent xmlns:mc="http://schemas.openxmlformats.org/markup-compatibility/2006" xmlns:p14="http://schemas.microsoft.com/office/powerpoint/2010/main">
+    <mc:Choice Requires="p14">
       <p:transition spd="med" p14:dur="700">
         <p:fade/>
       </p:transition>
     </mc:Choice>
-    <mc:Fallback>
+    <mc:Fallback xmlns="">
       <p:transition spd="med">
         <p:fade/>
       </p:transition>
@@ -7335,13 +7335,13 @@
   <p:clrMapOvr>
     <a:masterClrMapping/>
   </p:clrMapOvr>
-  <mc:AlternateContent xmlns:mc="http://schemas.openxmlformats.org/markup-compatibility/2006">
-    <mc:Choice xmlns:p14="http://schemas.microsoft.com/office/powerpoint/2010/main" Requires="p14">
+  <mc:AlternateContent xmlns:mc="http://schemas.openxmlformats.org/markup-compatibility/2006" xmlns:p14="http://schemas.microsoft.com/office/powerpoint/2010/main">
+    <mc:Choice Requires="p14">
       <p:transition spd="med" p14:dur="700">
         <p:fade/>
       </p:transition>
     </mc:Choice>
-    <mc:Fallback>
+    <mc:Fallback xmlns="">
       <p:transition spd="med">
         <p:fade/>
       </p:transition>
@@ -8052,13 +8052,13 @@
   <p:clrMapOvr>
     <a:masterClrMapping/>
   </p:clrMapOvr>
-  <mc:AlternateContent xmlns:mc="http://schemas.openxmlformats.org/markup-compatibility/2006">
-    <mc:Choice xmlns:p14="http://schemas.microsoft.com/office/powerpoint/2010/main" Requires="p14">
+  <mc:AlternateContent xmlns:mc="http://schemas.openxmlformats.org/markup-compatibility/2006" xmlns:p14="http://schemas.microsoft.com/office/powerpoint/2010/main">
+    <mc:Choice Requires="p14">
       <p:transition spd="med" p14:dur="700">
         <p:fade/>
       </p:transition>
     </mc:Choice>
-    <mc:Fallback>
+    <mc:Fallback xmlns="">
       <p:transition spd="med">
         <p:fade/>
       </p:transition>
@@ -8217,13 +8217,13 @@
   <p:clrMapOvr>
     <a:masterClrMapping/>
   </p:clrMapOvr>
-  <mc:AlternateContent xmlns:mc="http://schemas.openxmlformats.org/markup-compatibility/2006">
-    <mc:Choice xmlns:p14="http://schemas.microsoft.com/office/powerpoint/2010/main" Requires="p14">
+  <mc:AlternateContent xmlns:mc="http://schemas.openxmlformats.org/markup-compatibility/2006" xmlns:p14="http://schemas.microsoft.com/office/powerpoint/2010/main">
+    <mc:Choice Requires="p14">
       <p:transition spd="med" p14:dur="700">
         <p:fade/>
       </p:transition>
     </mc:Choice>
-    <mc:Fallback>
+    <mc:Fallback xmlns="">
       <p:transition spd="med">
         <p:fade/>
       </p:transition>
@@ -8482,13 +8482,13 @@
   <p:clrMapOvr>
     <a:masterClrMapping/>
   </p:clrMapOvr>
-  <mc:AlternateContent xmlns:mc="http://schemas.openxmlformats.org/markup-compatibility/2006">
-    <mc:Choice xmlns:p14="http://schemas.microsoft.com/office/powerpoint/2010/main" Requires="p14">
+  <mc:AlternateContent xmlns:mc="http://schemas.openxmlformats.org/markup-compatibility/2006" xmlns:p14="http://schemas.microsoft.com/office/powerpoint/2010/main">
+    <mc:Choice Requires="p14">
       <p:transition spd="med" p14:dur="700">
         <p:fade/>
       </p:transition>
     </mc:Choice>
-    <mc:Fallback>
+    <mc:Fallback xmlns="">
       <p:transition spd="med">
         <p:fade/>
       </p:transition>
@@ -9069,13 +9069,13 @@
   <p:clrMapOvr>
     <a:masterClrMapping/>
   </p:clrMapOvr>
-  <mc:AlternateContent xmlns:mc="http://schemas.openxmlformats.org/markup-compatibility/2006">
-    <mc:Choice xmlns:p14="http://schemas.microsoft.com/office/powerpoint/2010/main" Requires="p14">
+  <mc:AlternateContent xmlns:mc="http://schemas.openxmlformats.org/markup-compatibility/2006" xmlns:p14="http://schemas.microsoft.com/office/powerpoint/2010/main">
+    <mc:Choice Requires="p14">
       <p:transition spd="med" p14:dur="700">
         <p:fade/>
       </p:transition>
     </mc:Choice>
-    <mc:Fallback>
+    <mc:Fallback xmlns="">
       <p:transition spd="med">
         <p:fade/>
       </p:transition>
@@ -9239,13 +9239,13 @@
   <p:clrMapOvr>
     <a:masterClrMapping/>
   </p:clrMapOvr>
-  <mc:AlternateContent xmlns:mc="http://schemas.openxmlformats.org/markup-compatibility/2006">
-    <mc:Choice xmlns:p14="http://schemas.microsoft.com/office/powerpoint/2010/main" Requires="p14">
+  <mc:AlternateContent xmlns:mc="http://schemas.openxmlformats.org/markup-compatibility/2006" xmlns:p14="http://schemas.microsoft.com/office/powerpoint/2010/main">
+    <mc:Choice Requires="p14">
       <p:transition spd="med" p14:dur="700">
         <p:fade/>
       </p:transition>
     </mc:Choice>
-    <mc:Fallback>
+    <mc:Fallback xmlns="">
       <p:transition spd="med">
         <p:fade/>
       </p:transition>
@@ -9583,13 +9583,13 @@
   <p:clrMapOvr>
     <a:masterClrMapping/>
   </p:clrMapOvr>
-  <mc:AlternateContent xmlns:mc="http://schemas.openxmlformats.org/markup-compatibility/2006">
-    <mc:Choice xmlns:p14="http://schemas.microsoft.com/office/powerpoint/2010/main" Requires="p14">
+  <mc:AlternateContent xmlns:mc="http://schemas.openxmlformats.org/markup-compatibility/2006" xmlns:p14="http://schemas.microsoft.com/office/powerpoint/2010/main">
+    <mc:Choice Requires="p14">
       <p:transition spd="med" p14:dur="700">
         <p:fade/>
       </p:transition>
     </mc:Choice>
-    <mc:Fallback>
+    <mc:Fallback xmlns="">
       <p:transition spd="med">
         <p:fade/>
       </p:transition>
@@ -10085,13 +10085,13 @@
   <p:clrMapOvr>
     <a:masterClrMapping/>
   </p:clrMapOvr>
-  <mc:AlternateContent xmlns:mc="http://schemas.openxmlformats.org/markup-compatibility/2006">
-    <mc:Choice xmlns:p14="http://schemas.microsoft.com/office/powerpoint/2010/main" Requires="p14">
+  <mc:AlternateContent xmlns:mc="http://schemas.openxmlformats.org/markup-compatibility/2006" xmlns:p14="http://schemas.microsoft.com/office/powerpoint/2010/main">
+    <mc:Choice Requires="p14">
       <p:transition spd="med" p14:dur="700">
         <p:fade/>
       </p:transition>
     </mc:Choice>
-    <mc:Fallback>
+    <mc:Fallback xmlns="">
       <p:transition spd="med">
         <p:fade/>
       </p:transition>
@@ -10211,13 +10211,13 @@
   <p:clrMapOvr>
     <a:masterClrMapping/>
   </p:clrMapOvr>
-  <mc:AlternateContent xmlns:mc="http://schemas.openxmlformats.org/markup-compatibility/2006">
-    <mc:Choice xmlns:p14="http://schemas.microsoft.com/office/powerpoint/2010/main" Requires="p14">
+  <mc:AlternateContent xmlns:mc="http://schemas.openxmlformats.org/markup-compatibility/2006" xmlns:p14="http://schemas.microsoft.com/office/powerpoint/2010/main">
+    <mc:Choice Requires="p14">
       <p:transition spd="med" p14:dur="700">
         <p:fade/>
       </p:transition>
     </mc:Choice>
-    <mc:Fallback>
+    <mc:Fallback xmlns="">
       <p:transition spd="med">
         <p:fade/>
       </p:transition>
@@ -10317,13 +10317,13 @@
   <p:clrMapOvr>
     <a:masterClrMapping/>
   </p:clrMapOvr>
-  <mc:AlternateContent xmlns:mc="http://schemas.openxmlformats.org/markup-compatibility/2006">
-    <mc:Choice xmlns:p14="http://schemas.microsoft.com/office/powerpoint/2010/main" Requires="p14">
+  <mc:AlternateContent xmlns:mc="http://schemas.openxmlformats.org/markup-compatibility/2006" xmlns:p14="http://schemas.microsoft.com/office/powerpoint/2010/main">
+    <mc:Choice Requires="p14">
       <p:transition spd="med" p14:dur="700">
         <p:fade/>
       </p:transition>
     </mc:Choice>
-    <mc:Fallback>
+    <mc:Fallback xmlns="">
       <p:transition spd="med">
         <p:fade/>
       </p:transition>
@@ -10436,13 +10436,13 @@
   <p:clrMapOvr>
     <a:masterClrMapping/>
   </p:clrMapOvr>
-  <mc:AlternateContent xmlns:mc="http://schemas.openxmlformats.org/markup-compatibility/2006">
-    <mc:Choice xmlns:p14="http://schemas.microsoft.com/office/powerpoint/2010/main" Requires="p14">
+  <mc:AlternateContent xmlns:mc="http://schemas.openxmlformats.org/markup-compatibility/2006" xmlns:p14="http://schemas.microsoft.com/office/powerpoint/2010/main">
+    <mc:Choice Requires="p14">
       <p:transition spd="med" p14:dur="700">
         <p:fade/>
       </p:transition>
     </mc:Choice>
-    <mc:Fallback>
+    <mc:Fallback xmlns="">
       <p:transition spd="med">
         <p:fade/>
       </p:transition>
@@ -10542,13 +10542,13 @@
   <p:clrMapOvr>
     <a:masterClrMapping/>
   </p:clrMapOvr>
-  <mc:AlternateContent xmlns:mc="http://schemas.openxmlformats.org/markup-compatibility/2006">
-    <mc:Choice xmlns:p14="http://schemas.microsoft.com/office/powerpoint/2010/main" Requires="p14">
+  <mc:AlternateContent xmlns:mc="http://schemas.openxmlformats.org/markup-compatibility/2006" xmlns:p14="http://schemas.microsoft.com/office/powerpoint/2010/main">
+    <mc:Choice Requires="p14">
       <p:transition spd="med" p14:dur="700">
         <p:fade/>
       </p:transition>
     </mc:Choice>
-    <mc:Fallback>
+    <mc:Fallback xmlns="">
       <p:transition spd="med">
         <p:fade/>
       </p:transition>
@@ -10673,13 +10673,13 @@
   <p:clrMapOvr>
     <a:masterClrMapping/>
   </p:clrMapOvr>
-  <mc:AlternateContent xmlns:mc="http://schemas.openxmlformats.org/markup-compatibility/2006">
-    <mc:Choice xmlns:p14="http://schemas.microsoft.com/office/powerpoint/2010/main" Requires="p14">
+  <mc:AlternateContent xmlns:mc="http://schemas.openxmlformats.org/markup-compatibility/2006" xmlns:p14="http://schemas.microsoft.com/office/powerpoint/2010/main">
+    <mc:Choice Requires="p14">
       <p:transition spd="med" p14:dur="700">
         <p:fade/>
       </p:transition>
     </mc:Choice>
-    <mc:Fallback>
+    <mc:Fallback xmlns="">
       <p:transition spd="med">
         <p:fade/>
       </p:transition>
@@ -10885,13 +10885,13 @@
   <p:clrMapOvr>
     <a:masterClrMapping/>
   </p:clrMapOvr>
-  <mc:AlternateContent xmlns:mc="http://schemas.openxmlformats.org/markup-compatibility/2006">
-    <mc:Choice xmlns:p14="http://schemas.microsoft.com/office/powerpoint/2010/main" Requires="p14">
+  <mc:AlternateContent xmlns:mc="http://schemas.openxmlformats.org/markup-compatibility/2006" xmlns:p14="http://schemas.microsoft.com/office/powerpoint/2010/main">
+    <mc:Choice Requires="p14">
       <p:transition spd="med" p14:dur="700">
         <p:fade/>
       </p:transition>
     </mc:Choice>
-    <mc:Fallback>
+    <mc:Fallback xmlns="">
       <p:transition spd="med">
         <p:fade/>
       </p:transition>
@@ -11293,13 +11293,13 @@
   <p:clrMapOvr>
     <a:masterClrMapping/>
   </p:clrMapOvr>
-  <mc:AlternateContent xmlns:mc="http://schemas.openxmlformats.org/markup-compatibility/2006">
-    <mc:Choice xmlns:p14="http://schemas.microsoft.com/office/powerpoint/2010/main" Requires="p14">
+  <mc:AlternateContent xmlns:mc="http://schemas.openxmlformats.org/markup-compatibility/2006" xmlns:p14="http://schemas.microsoft.com/office/powerpoint/2010/main">
+    <mc:Choice Requires="p14">
       <p:transition spd="med" p14:dur="700">
         <p:fade/>
       </p:transition>
     </mc:Choice>
-    <mc:Fallback>
+    <mc:Fallback xmlns="">
       <p:transition spd="med">
         <p:fade/>
       </p:transition>
@@ -11779,13 +11779,13 @@
   <p:clrMapOvr>
     <a:masterClrMapping/>
   </p:clrMapOvr>
-  <mc:AlternateContent xmlns:mc="http://schemas.openxmlformats.org/markup-compatibility/2006">
-    <mc:Choice xmlns:p14="http://schemas.microsoft.com/office/powerpoint/2010/main" Requires="p14">
+  <mc:AlternateContent xmlns:mc="http://schemas.openxmlformats.org/markup-compatibility/2006" xmlns:p14="http://schemas.microsoft.com/office/powerpoint/2010/main">
+    <mc:Choice Requires="p14">
       <p:transition spd="med" p14:dur="700">
         <p:fade/>
       </p:transition>
     </mc:Choice>
-    <mc:Fallback>
+    <mc:Fallback xmlns="">
       <p:transition spd="med">
         <p:fade/>
       </p:transition>
@@ -12275,13 +12275,13 @@
   <p:clrMapOvr>
     <a:masterClrMapping/>
   </p:clrMapOvr>
-  <mc:AlternateContent xmlns:mc="http://schemas.openxmlformats.org/markup-compatibility/2006">
-    <mc:Choice xmlns:p14="http://schemas.microsoft.com/office/powerpoint/2010/main" Requires="p14">
+  <mc:AlternateContent xmlns:mc="http://schemas.openxmlformats.org/markup-compatibility/2006" xmlns:p14="http://schemas.microsoft.com/office/powerpoint/2010/main">
+    <mc:Choice Requires="p14">
       <p:transition spd="med" p14:dur="700">
         <p:fade/>
       </p:transition>
     </mc:Choice>
-    <mc:Fallback>
+    <mc:Fallback xmlns="">
       <p:transition spd="med">
         <p:fade/>
       </p:transition>
@@ -12381,13 +12381,13 @@
   <p:clrMapOvr>
     <a:masterClrMapping/>
   </p:clrMapOvr>
-  <mc:AlternateContent xmlns:mc="http://schemas.openxmlformats.org/markup-compatibility/2006">
-    <mc:Choice xmlns:p14="http://schemas.microsoft.com/office/powerpoint/2010/main" Requires="p14">
+  <mc:AlternateContent xmlns:mc="http://schemas.openxmlformats.org/markup-compatibility/2006" xmlns:p14="http://schemas.microsoft.com/office/powerpoint/2010/main">
+    <mc:Choice Requires="p14">
       <p:transition spd="med" p14:dur="700">
         <p:fade/>
       </p:transition>
     </mc:Choice>
-    <mc:Fallback>
+    <mc:Fallback xmlns="">
       <p:transition spd="med">
         <p:fade/>
       </p:transition>
@@ -12515,13 +12515,13 @@
   <p:clrMapOvr>
     <a:masterClrMapping/>
   </p:clrMapOvr>
-  <mc:AlternateContent xmlns:mc="http://schemas.openxmlformats.org/markup-compatibility/2006">
-    <mc:Choice xmlns:p14="http://schemas.microsoft.com/office/powerpoint/2010/main" Requires="p14">
+  <mc:AlternateContent xmlns:mc="http://schemas.openxmlformats.org/markup-compatibility/2006" xmlns:p14="http://schemas.microsoft.com/office/powerpoint/2010/main">
+    <mc:Choice Requires="p14">
       <p:transition spd="med" p14:dur="700">
         <p:fade/>
       </p:transition>
     </mc:Choice>
-    <mc:Fallback>
+    <mc:Fallback xmlns="">
       <p:transition spd="med">
         <p:fade/>
       </p:transition>
@@ -12931,13 +12931,13 @@
   <p:clrMapOvr>
     <a:masterClrMapping/>
   </p:clrMapOvr>
-  <mc:AlternateContent xmlns:mc="http://schemas.openxmlformats.org/markup-compatibility/2006">
-    <mc:Choice xmlns:p14="http://schemas.microsoft.com/office/powerpoint/2010/main" Requires="p14">
+  <mc:AlternateContent xmlns:mc="http://schemas.openxmlformats.org/markup-compatibility/2006" xmlns:p14="http://schemas.microsoft.com/office/powerpoint/2010/main">
+    <mc:Choice Requires="p14">
       <p:transition spd="med" p14:dur="700">
         <p:fade/>
       </p:transition>
     </mc:Choice>
-    <mc:Fallback>
+    <mc:Fallback xmlns="">
       <p:transition spd="med">
         <p:fade/>
       </p:transition>
@@ -13364,13 +13364,13 @@
   <p:clrMapOvr>
     <a:masterClrMapping/>
   </p:clrMapOvr>
-  <mc:AlternateContent xmlns:mc="http://schemas.openxmlformats.org/markup-compatibility/2006">
-    <mc:Choice xmlns:p14="http://schemas.microsoft.com/office/powerpoint/2010/main" Requires="p14">
+  <mc:AlternateContent xmlns:mc="http://schemas.openxmlformats.org/markup-compatibility/2006" xmlns:p14="http://schemas.microsoft.com/office/powerpoint/2010/main">
+    <mc:Choice Requires="p14">
       <p:transition spd="med" p14:dur="700">
         <p:fade/>
       </p:transition>
     </mc:Choice>
-    <mc:Fallback>
+    <mc:Fallback xmlns="">
       <p:transition spd="med">
         <p:fade/>
       </p:transition>
@@ -13687,7 +13687,7 @@
               <a:rPr lang="pl-PL" sz="1725" dirty="0">
                 <a:hlinkClick r:id="rId5"/>
               </a:rPr>
-              <a:t>https://github.com/dotnet-p-lodz/DWEEIA2019</a:t>
+              <a:t>https://github.com/Voodu/Workshops</a:t>
             </a:r>
             <a:endParaRPr lang="pl-PL" sz="1725" dirty="0"/>
           </a:p>
@@ -14293,13 +14293,13 @@
   <p:clrMapOvr>
     <a:masterClrMapping/>
   </p:clrMapOvr>
-  <mc:AlternateContent xmlns:mc="http://schemas.openxmlformats.org/markup-compatibility/2006">
-    <mc:Choice xmlns:p14="http://schemas.microsoft.com/office/powerpoint/2010/main" Requires="p14">
+  <mc:AlternateContent xmlns:mc="http://schemas.openxmlformats.org/markup-compatibility/2006" xmlns:p14="http://schemas.microsoft.com/office/powerpoint/2010/main">
+    <mc:Choice Requires="p14">
       <p:transition spd="med" p14:dur="700">
         <p:fade/>
       </p:transition>
     </mc:Choice>
-    <mc:Fallback>
+    <mc:Fallback xmlns="">
       <p:transition spd="med">
         <p:fade/>
       </p:transition>
@@ -14443,13 +14443,13 @@
   <p:clrMapOvr>
     <a:masterClrMapping/>
   </p:clrMapOvr>
-  <mc:AlternateContent xmlns:mc="http://schemas.openxmlformats.org/markup-compatibility/2006">
-    <mc:Choice xmlns:p14="http://schemas.microsoft.com/office/powerpoint/2010/main" Requires="p14">
+  <mc:AlternateContent xmlns:mc="http://schemas.openxmlformats.org/markup-compatibility/2006" xmlns:p14="http://schemas.microsoft.com/office/powerpoint/2010/main">
+    <mc:Choice Requires="p14">
       <p:transition spd="med" p14:dur="700">
         <p:fade/>
       </p:transition>
     </mc:Choice>
-    <mc:Fallback>
+    <mc:Fallback xmlns="">
       <p:transition spd="med">
         <p:fade/>
       </p:transition>
@@ -14596,13 +14596,13 @@
   <p:clrMapOvr>
     <a:masterClrMapping/>
   </p:clrMapOvr>
-  <mc:AlternateContent xmlns:mc="http://schemas.openxmlformats.org/markup-compatibility/2006">
-    <mc:Choice xmlns:p14="http://schemas.microsoft.com/office/powerpoint/2010/main" Requires="p14">
+  <mc:AlternateContent xmlns:mc="http://schemas.openxmlformats.org/markup-compatibility/2006" xmlns:p14="http://schemas.microsoft.com/office/powerpoint/2010/main">
+    <mc:Choice Requires="p14">
       <p:transition spd="med" p14:dur="700">
         <p:fade/>
       </p:transition>
     </mc:Choice>
-    <mc:Fallback>
+    <mc:Fallback xmlns="">
       <p:transition spd="med">
         <p:fade/>
       </p:transition>
@@ -14749,13 +14749,13 @@
   <p:clrMapOvr>
     <a:masterClrMapping/>
   </p:clrMapOvr>
-  <mc:AlternateContent xmlns:mc="http://schemas.openxmlformats.org/markup-compatibility/2006">
-    <mc:Choice xmlns:p14="http://schemas.microsoft.com/office/powerpoint/2010/main" Requires="p14">
+  <mc:AlternateContent xmlns:mc="http://schemas.openxmlformats.org/markup-compatibility/2006" xmlns:p14="http://schemas.microsoft.com/office/powerpoint/2010/main">
+    <mc:Choice Requires="p14">
       <p:transition spd="med" p14:dur="700">
         <p:fade/>
       </p:transition>
     </mc:Choice>
-    <mc:Fallback>
+    <mc:Fallback xmlns="">
       <p:transition spd="med">
         <p:fade/>
       </p:transition>
@@ -14867,13 +14867,13 @@
   <p:clrMapOvr>
     <a:masterClrMapping/>
   </p:clrMapOvr>
-  <mc:AlternateContent xmlns:mc="http://schemas.openxmlformats.org/markup-compatibility/2006">
-    <mc:Choice xmlns:p14="http://schemas.microsoft.com/office/powerpoint/2010/main" Requires="p14">
+  <mc:AlternateContent xmlns:mc="http://schemas.openxmlformats.org/markup-compatibility/2006" xmlns:p14="http://schemas.microsoft.com/office/powerpoint/2010/main">
+    <mc:Choice Requires="p14">
       <p:transition spd="med" p14:dur="700">
         <p:fade/>
       </p:transition>
     </mc:Choice>
-    <mc:Fallback>
+    <mc:Fallback xmlns="">
       <p:transition spd="med">
         <p:fade/>
       </p:transition>
@@ -15015,13 +15015,13 @@
   <p:clrMapOvr>
     <a:masterClrMapping/>
   </p:clrMapOvr>
-  <mc:AlternateContent xmlns:mc="http://schemas.openxmlformats.org/markup-compatibility/2006">
-    <mc:Choice xmlns:p14="http://schemas.microsoft.com/office/powerpoint/2010/main" Requires="p14">
+  <mc:AlternateContent xmlns:mc="http://schemas.openxmlformats.org/markup-compatibility/2006" xmlns:p14="http://schemas.microsoft.com/office/powerpoint/2010/main">
+    <mc:Choice Requires="p14">
       <p:transition spd="med" p14:dur="700">
         <p:fade/>
       </p:transition>
     </mc:Choice>
-    <mc:Fallback>
+    <mc:Fallback xmlns="">
       <p:transition spd="med">
         <p:fade/>
       </p:transition>
@@ -15122,13 +15122,13 @@
   <p:clrMapOvr>
     <a:masterClrMapping/>
   </p:clrMapOvr>
-  <mc:AlternateContent xmlns:mc="http://schemas.openxmlformats.org/markup-compatibility/2006">
-    <mc:Choice xmlns:p14="http://schemas.microsoft.com/office/powerpoint/2010/main" Requires="p14">
+  <mc:AlternateContent xmlns:mc="http://schemas.openxmlformats.org/markup-compatibility/2006" xmlns:p14="http://schemas.microsoft.com/office/powerpoint/2010/main">
+    <mc:Choice Requires="p14">
       <p:transition spd="med" p14:dur="700">
         <p:fade/>
       </p:transition>
     </mc:Choice>
-    <mc:Fallback>
+    <mc:Fallback xmlns="">
       <p:transition spd="med">
         <p:fade/>
       </p:transition>
@@ -15694,6 +15694,12 @@
 </file>
 
 <file path=customXml/item1.xml><?xml version="1.0" encoding="utf-8"?>
+<p:properties xmlns:p="http://schemas.microsoft.com/office/2006/metadata/properties" xmlns:xsi="http://www.w3.org/2001/XMLSchema-instance" xmlns:pc="http://schemas.microsoft.com/office/infopath/2007/PartnerControls">
+  <documentManagement/>
+</p:properties>
+</file>
+
+<file path=customXml/item2.xml><?xml version="1.0" encoding="utf-8"?>
 <ct:contentTypeSchema xmlns:ct="http://schemas.microsoft.com/office/2006/metadata/contentType" xmlns:ma="http://schemas.microsoft.com/office/2006/metadata/properties/metaAttributes" ct:_="" ma:_="" ma:contentTypeName="Document" ma:contentTypeID="0x010100743428768CC27849B56631B68EECD342" ma:contentTypeVersion="6" ma:contentTypeDescription="Create a new document." ma:contentTypeScope="" ma:versionID="ea1f7eb6f6b50634036ebb87f908af7a">
   <xsd:schema xmlns:xsd="http://www.w3.org/2001/XMLSchema" xmlns:xs="http://www.w3.org/2001/XMLSchema" xmlns:p="http://schemas.microsoft.com/office/2006/metadata/properties" xmlns:ns2="6dfb84fc-c783-47c9-928a-3d458849d261" xmlns:ns3="efd76e83-4173-4a26-b431-618a788339a8" targetNamespace="http://schemas.microsoft.com/office/2006/metadata/properties" ma:root="true" ma:fieldsID="14929ce0d51949c6c45446b8f212c29d" ns2:_="" ns3:_="">
     <xsd:import namespace="6dfb84fc-c783-47c9-928a-3d458849d261"/>
@@ -15872,12 +15878,6 @@
 </ct:contentTypeSchema>
 </file>
 
-<file path=customXml/item2.xml><?xml version="1.0" encoding="utf-8"?>
-<p:properties xmlns:p="http://schemas.microsoft.com/office/2006/metadata/properties" xmlns:xsi="http://www.w3.org/2001/XMLSchema-instance" xmlns:pc="http://schemas.microsoft.com/office/infopath/2007/PartnerControls">
-  <documentManagement/>
-</p:properties>
-</file>
-
 <file path=customXml/item3.xml><?xml version="1.0" encoding="utf-8"?>
 <?mso-contentType ?>
 <FormTemplates xmlns="http://schemas.microsoft.com/sharepoint/v3/contenttype/forms">
@@ -15888,6 +15888,23 @@
 </file>
 
 <file path=customXml/itemProps1.xml><?xml version="1.0" encoding="utf-8"?>
+<ds:datastoreItem xmlns:ds="http://schemas.openxmlformats.org/officeDocument/2006/customXml" ds:itemID="{7EF52303-DD41-4871-8221-5749C8E3EEE6}">
+  <ds:schemaRefs>
+    <ds:schemaRef ds:uri="http://www.w3.org/XML/1998/namespace"/>
+    <ds:schemaRef ds:uri="http://schemas.microsoft.com/office/infopath/2007/PartnerControls"/>
+    <ds:schemaRef ds:uri="http://purl.org/dc/elements/1.1/"/>
+    <ds:schemaRef ds:uri="6dfb84fc-c783-47c9-928a-3d458849d261"/>
+    <ds:schemaRef ds:uri="http://schemas.microsoft.com/office/2006/metadata/properties"/>
+    <ds:schemaRef ds:uri="http://purl.org/dc/terms/"/>
+    <ds:schemaRef ds:uri="http://schemas.microsoft.com/office/2006/documentManagement/types"/>
+    <ds:schemaRef ds:uri="http://schemas.openxmlformats.org/package/2006/metadata/core-properties"/>
+    <ds:schemaRef ds:uri="efd76e83-4173-4a26-b431-618a788339a8"/>
+    <ds:schemaRef ds:uri="http://purl.org/dc/dcmitype/"/>
+  </ds:schemaRefs>
+</ds:datastoreItem>
+</file>
+
+<file path=customXml/itemProps2.xml><?xml version="1.0" encoding="utf-8"?>
 <ds:datastoreItem xmlns:ds="http://schemas.openxmlformats.org/officeDocument/2006/customXml" ds:itemID="{CBD71BA1-088C-45B7-BAF1-BEC28F176E1A}">
   <ds:schemaRefs>
     <ds:schemaRef ds:uri="http://schemas.microsoft.com/office/2006/metadata/contentType"/>
@@ -15906,23 +15923,6 @@
 </ds:datastoreItem>
 </file>
 
-<file path=customXml/itemProps2.xml><?xml version="1.0" encoding="utf-8"?>
-<ds:datastoreItem xmlns:ds="http://schemas.openxmlformats.org/officeDocument/2006/customXml" ds:itemID="{7EF52303-DD41-4871-8221-5749C8E3EEE6}">
-  <ds:schemaRefs>
-    <ds:schemaRef ds:uri="http://www.w3.org/XML/1998/namespace"/>
-    <ds:schemaRef ds:uri="http://schemas.microsoft.com/office/infopath/2007/PartnerControls"/>
-    <ds:schemaRef ds:uri="http://purl.org/dc/elements/1.1/"/>
-    <ds:schemaRef ds:uri="6dfb84fc-c783-47c9-928a-3d458849d261"/>
-    <ds:schemaRef ds:uri="http://schemas.microsoft.com/office/2006/metadata/properties"/>
-    <ds:schemaRef ds:uri="http://purl.org/dc/terms/"/>
-    <ds:schemaRef ds:uri="http://schemas.microsoft.com/office/2006/documentManagement/types"/>
-    <ds:schemaRef ds:uri="http://schemas.openxmlformats.org/package/2006/metadata/core-properties"/>
-    <ds:schemaRef ds:uri="efd76e83-4173-4a26-b431-618a788339a8"/>
-    <ds:schemaRef ds:uri="http://purl.org/dc/dcmitype/"/>
-  </ds:schemaRefs>
-</ds:datastoreItem>
-</file>
-
 <file path=customXml/itemProps3.xml><?xml version="1.0" encoding="utf-8"?>
 <ds:datastoreItem xmlns:ds="http://schemas.openxmlformats.org/officeDocument/2006/customXml" ds:itemID="{A681D2DF-F93E-4CC1-8A50-704C6CA0430E}">
   <ds:schemaRefs>
